--- a/final/Fitness Driver.pptx
+++ b/final/Fitness Driver.pptx
@@ -3620,37 +3620,6 @@
           </a:p>
         </p:txBody>
       </p:sp>
-      <p:pic>
-        <p:nvPicPr>
-          <p:cNvPr id="4" name="Picture 3">
-            <a:extLst>
-              <a:ext uri="{FF2B5EF4-FFF2-40B4-BE49-F238E27FC236}">
-                <a16:creationId xmlns:a16="http://schemas.microsoft.com/office/drawing/2014/main" id="{81A09FC0-0C95-6BD5-55A9-B031450A008C}"/>
-              </a:ext>
-            </a:extLst>
-          </p:cNvPr>
-          <p:cNvPicPr>
-            <a:picLocks noChangeAspect="1"/>
-          </p:cNvPicPr>
-          <p:nvPr/>
-        </p:nvPicPr>
-        <p:blipFill>
-          <a:blip r:embed="rId2"/>
-          <a:srcRect l="7455" r="39923" b="1"/>
-          <a:stretch>
-            <a:fillRect/>
-          </a:stretch>
-        </p:blipFill>
-        <p:spPr>
-          <a:xfrm>
-            <a:off x="1" y="10"/>
-            <a:ext cx="4876799" cy="6857989"/>
-          </a:xfrm>
-          <a:prstGeom prst="rect">
-            <a:avLst/>
-          </a:prstGeom>
-        </p:spPr>
-      </p:pic>
       <p:cxnSp>
         <p:nvCxnSpPr>
           <p:cNvPr id="11" name="Straight Connector 10">
@@ -3755,6 +3724,36 @@
           </a:fontRef>
         </p:style>
       </p:cxnSp>
+      <p:pic>
+        <p:nvPicPr>
+          <p:cNvPr id="6" name="Picture 5" descr="A smart watch with a picture of a person on it&#10;&#10;AI-generated content may be incorrect.">
+            <a:extLst>
+              <a:ext uri="{FF2B5EF4-FFF2-40B4-BE49-F238E27FC236}">
+                <a16:creationId xmlns:a16="http://schemas.microsoft.com/office/drawing/2014/main" id="{3815BA01-6B3A-5472-38BF-6D22625305D0}"/>
+              </a:ext>
+            </a:extLst>
+          </p:cNvPr>
+          <p:cNvPicPr>
+            <a:picLocks noChangeAspect="1"/>
+          </p:cNvPicPr>
+          <p:nvPr/>
+        </p:nvPicPr>
+        <p:blipFill>
+          <a:blip r:embed="rId2"/>
+          <a:stretch>
+            <a:fillRect/>
+          </a:stretch>
+        </p:blipFill>
+        <p:spPr>
+          <a:xfrm>
+            <a:off x="0" y="-1"/>
+            <a:ext cx="5441430" cy="6857991"/>
+          </a:xfrm>
+          <a:prstGeom prst="rect">
+            <a:avLst/>
+          </a:prstGeom>
+        </p:spPr>
+      </p:pic>
     </p:spTree>
     <p:extLst>
       <p:ext uri="{BB962C8B-B14F-4D97-AF65-F5344CB8AC3E}">
